--- a/docs/app_figs.pptx
+++ b/docs/app_figs.pptx
@@ -10,6 +10,8 @@
     <p:sldId id="353" r:id="rId4"/>
     <p:sldId id="354" r:id="rId5"/>
     <p:sldId id="356" r:id="rId6"/>
+    <p:sldId id="357" r:id="rId7"/>
+    <p:sldId id="358" r:id="rId8"/>
   </p:sldIdLst>
   <p:sldSz cx="18288000" cy="6858000"/>
   <p:notesSz cx="6858000" cy="9144000"/>
@@ -247,7 +249,7 @@
           <a:p>
             <a:fld id="{71DC268A-E152-4BEA-BC4B-41FCC1567254}" type="datetimeFigureOut">
               <a:rPr lang="en-US" smtClean="0"/>
-              <a:t>12/18/2018</a:t>
+              <a:t>12/19/2018</a:t>
             </a:fld>
             <a:endParaRPr lang="en-US"/>
           </a:p>
@@ -417,7 +419,7 @@
           <a:p>
             <a:fld id="{71DC268A-E152-4BEA-BC4B-41FCC1567254}" type="datetimeFigureOut">
               <a:rPr lang="en-US" smtClean="0"/>
-              <a:t>12/18/2018</a:t>
+              <a:t>12/19/2018</a:t>
             </a:fld>
             <a:endParaRPr lang="en-US"/>
           </a:p>
@@ -597,7 +599,7 @@
           <a:p>
             <a:fld id="{71DC268A-E152-4BEA-BC4B-41FCC1567254}" type="datetimeFigureOut">
               <a:rPr lang="en-US" smtClean="0"/>
-              <a:t>12/18/2018</a:t>
+              <a:t>12/19/2018</a:t>
             </a:fld>
             <a:endParaRPr lang="en-US"/>
           </a:p>
@@ -767,7 +769,7 @@
           <a:p>
             <a:fld id="{71DC268A-E152-4BEA-BC4B-41FCC1567254}" type="datetimeFigureOut">
               <a:rPr lang="en-US" smtClean="0"/>
-              <a:t>12/18/2018</a:t>
+              <a:t>12/19/2018</a:t>
             </a:fld>
             <a:endParaRPr lang="en-US"/>
           </a:p>
@@ -1013,7 +1015,7 @@
           <a:p>
             <a:fld id="{71DC268A-E152-4BEA-BC4B-41FCC1567254}" type="datetimeFigureOut">
               <a:rPr lang="en-US" smtClean="0"/>
-              <a:t>12/18/2018</a:t>
+              <a:t>12/19/2018</a:t>
             </a:fld>
             <a:endParaRPr lang="en-US"/>
           </a:p>
@@ -1245,7 +1247,7 @@
           <a:p>
             <a:fld id="{71DC268A-E152-4BEA-BC4B-41FCC1567254}" type="datetimeFigureOut">
               <a:rPr lang="en-US" smtClean="0"/>
-              <a:t>12/18/2018</a:t>
+              <a:t>12/19/2018</a:t>
             </a:fld>
             <a:endParaRPr lang="en-US"/>
           </a:p>
@@ -1612,7 +1614,7 @@
           <a:p>
             <a:fld id="{71DC268A-E152-4BEA-BC4B-41FCC1567254}" type="datetimeFigureOut">
               <a:rPr lang="en-US" smtClean="0"/>
-              <a:t>12/18/2018</a:t>
+              <a:t>12/19/2018</a:t>
             </a:fld>
             <a:endParaRPr lang="en-US"/>
           </a:p>
@@ -1730,7 +1732,7 @@
           <a:p>
             <a:fld id="{71DC268A-E152-4BEA-BC4B-41FCC1567254}" type="datetimeFigureOut">
               <a:rPr lang="en-US" smtClean="0"/>
-              <a:t>12/18/2018</a:t>
+              <a:t>12/19/2018</a:t>
             </a:fld>
             <a:endParaRPr lang="en-US"/>
           </a:p>
@@ -1825,7 +1827,7 @@
           <a:p>
             <a:fld id="{71DC268A-E152-4BEA-BC4B-41FCC1567254}" type="datetimeFigureOut">
               <a:rPr lang="en-US" smtClean="0"/>
-              <a:t>12/18/2018</a:t>
+              <a:t>12/19/2018</a:t>
             </a:fld>
             <a:endParaRPr lang="en-US"/>
           </a:p>
@@ -2102,7 +2104,7 @@
           <a:p>
             <a:fld id="{71DC268A-E152-4BEA-BC4B-41FCC1567254}" type="datetimeFigureOut">
               <a:rPr lang="en-US" smtClean="0"/>
-              <a:t>12/18/2018</a:t>
+              <a:t>12/19/2018</a:t>
             </a:fld>
             <a:endParaRPr lang="en-US"/>
           </a:p>
@@ -2359,7 +2361,7 @@
           <a:p>
             <a:fld id="{71DC268A-E152-4BEA-BC4B-41FCC1567254}" type="datetimeFigureOut">
               <a:rPr lang="en-US" smtClean="0"/>
-              <a:t>12/18/2018</a:t>
+              <a:t>12/19/2018</a:t>
             </a:fld>
             <a:endParaRPr lang="en-US"/>
           </a:p>
@@ -2572,7 +2574,7 @@
           <a:p>
             <a:fld id="{71DC268A-E152-4BEA-BC4B-41FCC1567254}" type="datetimeFigureOut">
               <a:rPr lang="en-US" smtClean="0"/>
-              <a:t>12/18/2018</a:t>
+              <a:t>12/19/2018</a:t>
             </a:fld>
             <a:endParaRPr lang="en-US"/>
           </a:p>
@@ -5106,6 +5108,429 @@
 </p:sld>
 </file>
 
+<file path=ppt/slides/slide6.xml><?xml version="1.0" encoding="utf-8"?>
+<p:sld xmlns:a="http://schemas.openxmlformats.org/drawingml/2006/main" xmlns:r="http://schemas.openxmlformats.org/officeDocument/2006/relationships" xmlns:p="http://schemas.openxmlformats.org/presentationml/2006/main">
+  <p:cSld>
+    <p:spTree>
+      <p:nvGrpSpPr>
+        <p:cNvPr id="1" name=""/>
+        <p:cNvGrpSpPr/>
+        <p:nvPr/>
+      </p:nvGrpSpPr>
+      <p:grpSpPr>
+        <a:xfrm>
+          <a:off x="0" y="0"/>
+          <a:ext cx="0" cy="0"/>
+          <a:chOff x="0" y="0"/>
+          <a:chExt cx="0" cy="0"/>
+        </a:xfrm>
+      </p:grpSpPr>
+      <p:sp>
+        <p:nvSpPr>
+          <p:cNvPr id="4" name="Multiplication Sign 3">
+            <a:extLst>
+              <a:ext uri="{FF2B5EF4-FFF2-40B4-BE49-F238E27FC236}">
+                <a16:creationId xmlns:a16="http://schemas.microsoft.com/office/drawing/2014/main" id="{00A3A155-0139-48AD-BF98-57807C5883A5}"/>
+              </a:ext>
+            </a:extLst>
+          </p:cNvPr>
+          <p:cNvSpPr/>
+          <p:nvPr/>
+        </p:nvSpPr>
+        <p:spPr>
+          <a:xfrm>
+            <a:off x="1752600" y="2895600"/>
+            <a:ext cx="723900" cy="762000"/>
+          </a:xfrm>
+          <a:prstGeom prst="mathMultiply">
+            <a:avLst>
+              <a:gd name="adj1" fmla="val 12994"/>
+            </a:avLst>
+          </a:prstGeom>
+          <a:solidFill>
+            <a:schemeClr val="bg1">
+              <a:lumMod val="75000"/>
+            </a:schemeClr>
+          </a:solidFill>
+          <a:ln>
+            <a:solidFill>
+              <a:schemeClr val="bg1">
+                <a:lumMod val="75000"/>
+              </a:schemeClr>
+            </a:solidFill>
+          </a:ln>
+        </p:spPr>
+        <p:style>
+          <a:lnRef idx="2">
+            <a:schemeClr val="accent1">
+              <a:shade val="50000"/>
+            </a:schemeClr>
+          </a:lnRef>
+          <a:fillRef idx="1">
+            <a:schemeClr val="accent1"/>
+          </a:fillRef>
+          <a:effectRef idx="0">
+            <a:schemeClr val="accent1"/>
+          </a:effectRef>
+          <a:fontRef idx="minor">
+            <a:schemeClr val="lt1"/>
+          </a:fontRef>
+        </p:style>
+        <p:txBody>
+          <a:bodyPr rtlCol="0" anchor="ctr"/>
+          <a:lstStyle/>
+          <a:p>
+            <a:pPr algn="ctr"/>
+            <a:endParaRPr lang="en-US"/>
+          </a:p>
+        </p:txBody>
+      </p:sp>
+      <p:sp>
+        <p:nvSpPr>
+          <p:cNvPr id="5" name="Equals 4">
+            <a:extLst>
+              <a:ext uri="{FF2B5EF4-FFF2-40B4-BE49-F238E27FC236}">
+                <a16:creationId xmlns:a16="http://schemas.microsoft.com/office/drawing/2014/main" id="{79A8DFFA-9DE8-485E-BAF8-98E70D60ECF4}"/>
+              </a:ext>
+            </a:extLst>
+          </p:cNvPr>
+          <p:cNvSpPr/>
+          <p:nvPr/>
+        </p:nvSpPr>
+        <p:spPr>
+          <a:xfrm>
+            <a:off x="3600450" y="2895600"/>
+            <a:ext cx="723900" cy="762000"/>
+          </a:xfrm>
+          <a:prstGeom prst="mathEqual">
+            <a:avLst>
+              <a:gd name="adj1" fmla="val 11377"/>
+              <a:gd name="adj2" fmla="val 26046"/>
+            </a:avLst>
+          </a:prstGeom>
+          <a:solidFill>
+            <a:schemeClr val="bg1">
+              <a:lumMod val="75000"/>
+            </a:schemeClr>
+          </a:solidFill>
+          <a:ln>
+            <a:solidFill>
+              <a:schemeClr val="bg1">
+                <a:lumMod val="75000"/>
+              </a:schemeClr>
+            </a:solidFill>
+          </a:ln>
+        </p:spPr>
+        <p:style>
+          <a:lnRef idx="2">
+            <a:schemeClr val="accent1">
+              <a:shade val="50000"/>
+            </a:schemeClr>
+          </a:lnRef>
+          <a:fillRef idx="1">
+            <a:schemeClr val="accent1"/>
+          </a:fillRef>
+          <a:effectRef idx="0">
+            <a:schemeClr val="accent1"/>
+          </a:effectRef>
+          <a:fontRef idx="minor">
+            <a:schemeClr val="lt1"/>
+          </a:fontRef>
+        </p:style>
+        <p:txBody>
+          <a:bodyPr rtlCol="0" anchor="ctr"/>
+          <a:lstStyle/>
+          <a:p>
+            <a:pPr algn="ctr"/>
+            <a:endParaRPr lang="en-US">
+              <a:solidFill>
+                <a:schemeClr val="tx1"/>
+              </a:solidFill>
+            </a:endParaRPr>
+          </a:p>
+        </p:txBody>
+      </p:sp>
+      <p:grpSp>
+        <p:nvGrpSpPr>
+          <p:cNvPr id="14" name="Group 13">
+            <a:extLst>
+              <a:ext uri="{FF2B5EF4-FFF2-40B4-BE49-F238E27FC236}">
+                <a16:creationId xmlns:a16="http://schemas.microsoft.com/office/drawing/2014/main" id="{E212EED4-C5A1-48B5-AB40-A1712F95B843}"/>
+              </a:ext>
+            </a:extLst>
+          </p:cNvPr>
+          <p:cNvGrpSpPr/>
+          <p:nvPr/>
+        </p:nvGrpSpPr>
+        <p:grpSpPr>
+          <a:xfrm>
+            <a:off x="8263781" y="1866650"/>
+            <a:ext cx="8998527" cy="3581900"/>
+            <a:chOff x="8263781" y="1866650"/>
+            <a:chExt cx="8998527" cy="3581900"/>
+          </a:xfrm>
+        </p:grpSpPr>
+        <p:pic>
+          <p:nvPicPr>
+            <p:cNvPr id="7" name="Picture 6">
+              <a:extLst>
+                <a:ext uri="{FF2B5EF4-FFF2-40B4-BE49-F238E27FC236}">
+                  <a16:creationId xmlns:a16="http://schemas.microsoft.com/office/drawing/2014/main" id="{40393299-8E2B-44D4-BEA1-79F5B6E831AF}"/>
+                </a:ext>
+              </a:extLst>
+            </p:cNvPr>
+            <p:cNvPicPr>
+              <a:picLocks noChangeAspect="1"/>
+            </p:cNvPicPr>
+            <p:nvPr/>
+          </p:nvPicPr>
+          <p:blipFill>
+            <a:blip r:embed="rId2">
+              <a:extLst>
+                <a:ext uri="{28A0092B-C50C-407E-A947-70E740481C1C}">
+                  <a14:useLocalDpi xmlns:a14="http://schemas.microsoft.com/office/drawing/2010/main" val="0"/>
+                </a:ext>
+              </a:extLst>
+            </a:blip>
+            <a:stretch>
+              <a:fillRect/>
+            </a:stretch>
+          </p:blipFill>
+          <p:spPr>
+            <a:xfrm>
+              <a:off x="11260720" y="1866650"/>
+              <a:ext cx="6001588" cy="3581900"/>
+            </a:xfrm>
+            <a:prstGeom prst="rect">
+              <a:avLst/>
+            </a:prstGeom>
+          </p:spPr>
+        </p:pic>
+        <p:cxnSp>
+          <p:nvCxnSpPr>
+            <p:cNvPr id="9" name="Straight Arrow Connector 8">
+              <a:extLst>
+                <a:ext uri="{FF2B5EF4-FFF2-40B4-BE49-F238E27FC236}">
+                  <a16:creationId xmlns:a16="http://schemas.microsoft.com/office/drawing/2014/main" id="{5C2B7351-DCFC-4465-AC43-82C657FC0147}"/>
+                </a:ext>
+              </a:extLst>
+            </p:cNvPr>
+            <p:cNvCxnSpPr>
+              <a:cxnSpLocks/>
+            </p:cNvCxnSpPr>
+            <p:nvPr/>
+          </p:nvCxnSpPr>
+          <p:spPr>
+            <a:xfrm flipV="1">
+              <a:off x="10611014" y="2719137"/>
+              <a:ext cx="649706" cy="176464"/>
+            </a:xfrm>
+            <a:prstGeom prst="straightConnector1">
+              <a:avLst/>
+            </a:prstGeom>
+            <a:ln w="88900">
+              <a:solidFill>
+                <a:schemeClr val="bg1">
+                  <a:lumMod val="75000"/>
+                </a:schemeClr>
+              </a:solidFill>
+              <a:tailEnd type="triangle"/>
+            </a:ln>
+          </p:spPr>
+          <p:style>
+            <a:lnRef idx="1">
+              <a:schemeClr val="accent1"/>
+            </a:lnRef>
+            <a:fillRef idx="0">
+              <a:schemeClr val="accent1"/>
+            </a:fillRef>
+            <a:effectRef idx="0">
+              <a:schemeClr val="accent1"/>
+            </a:effectRef>
+            <a:fontRef idx="minor">
+              <a:schemeClr val="tx1"/>
+            </a:fontRef>
+          </p:style>
+        </p:cxnSp>
+        <p:sp>
+          <p:nvSpPr>
+            <p:cNvPr id="12" name="TextBox 11">
+              <a:extLst>
+                <a:ext uri="{FF2B5EF4-FFF2-40B4-BE49-F238E27FC236}">
+                  <a16:creationId xmlns:a16="http://schemas.microsoft.com/office/drawing/2014/main" id="{57E903B3-67A8-4C93-B8DD-FE0D97789884}"/>
+                </a:ext>
+              </a:extLst>
+            </p:cNvPr>
+            <p:cNvSpPr txBox="1"/>
+            <p:nvPr/>
+          </p:nvSpPr>
+          <p:spPr>
+            <a:xfrm>
+              <a:off x="8263781" y="2499211"/>
+              <a:ext cx="2298177" cy="892552"/>
+            </a:xfrm>
+            <a:prstGeom prst="rect">
+              <a:avLst/>
+            </a:prstGeom>
+            <a:noFill/>
+          </p:spPr>
+          <p:txBody>
+            <a:bodyPr wrap="square" rtlCol="0">
+              <a:spAutoFit/>
+            </a:bodyPr>
+            <a:lstStyle/>
+            <a:p>
+              <a:pPr algn="ctr"/>
+              <a:r>
+                <a:rPr lang="en-US" sz="2600" dirty="0">
+                  <a:solidFill>
+                    <a:schemeClr val="bg2">
+                      <a:lumMod val="50000"/>
+                    </a:schemeClr>
+                  </a:solidFill>
+                </a:rPr>
+                <a:t>Select  value to show on map</a:t>
+              </a:r>
+            </a:p>
+          </p:txBody>
+        </p:sp>
+      </p:grpSp>
+    </p:spTree>
+    <p:extLst>
+      <p:ext uri="{BB962C8B-B14F-4D97-AF65-F5344CB8AC3E}">
+        <p14:creationId xmlns:p14="http://schemas.microsoft.com/office/powerpoint/2010/main" val="1610744112"/>
+      </p:ext>
+    </p:extLst>
+  </p:cSld>
+  <p:clrMapOvr>
+    <a:masterClrMapping/>
+  </p:clrMapOvr>
+</p:sld>
+</file>
+
+<file path=ppt/slides/slide7.xml><?xml version="1.0" encoding="utf-8"?>
+<p:sld xmlns:a="http://schemas.openxmlformats.org/drawingml/2006/main" xmlns:r="http://schemas.openxmlformats.org/officeDocument/2006/relationships" xmlns:p="http://schemas.openxmlformats.org/presentationml/2006/main">
+  <p:cSld>
+    <p:spTree>
+      <p:nvGrpSpPr>
+        <p:cNvPr id="1" name=""/>
+        <p:cNvGrpSpPr/>
+        <p:nvPr/>
+      </p:nvGrpSpPr>
+      <p:grpSpPr>
+        <a:xfrm>
+          <a:off x="0" y="0"/>
+          <a:ext cx="0" cy="0"/>
+          <a:chOff x="0" y="0"/>
+          <a:chExt cx="0" cy="0"/>
+        </a:xfrm>
+      </p:grpSpPr>
+      <p:grpSp>
+        <p:nvGrpSpPr>
+          <p:cNvPr id="10" name="Group 9">
+            <a:extLst>
+              <a:ext uri="{FF2B5EF4-FFF2-40B4-BE49-F238E27FC236}">
+                <a16:creationId xmlns:a16="http://schemas.microsoft.com/office/drawing/2014/main" id="{FF0B1458-C316-4A9D-B185-7D5B147241C6}"/>
+              </a:ext>
+            </a:extLst>
+          </p:cNvPr>
+          <p:cNvGrpSpPr/>
+          <p:nvPr/>
+        </p:nvGrpSpPr>
+        <p:grpSpPr>
+          <a:xfrm>
+            <a:off x="2626027" y="1576129"/>
+            <a:ext cx="10447308" cy="3705742"/>
+            <a:chOff x="2626027" y="1576129"/>
+            <a:chExt cx="10447308" cy="3705742"/>
+          </a:xfrm>
+        </p:grpSpPr>
+        <p:pic>
+          <p:nvPicPr>
+            <p:cNvPr id="7" name="Picture 6">
+              <a:extLst>
+                <a:ext uri="{FF2B5EF4-FFF2-40B4-BE49-F238E27FC236}">
+                  <a16:creationId xmlns:a16="http://schemas.microsoft.com/office/drawing/2014/main" id="{8DE39339-AD3C-4B7C-AB1E-02A43A9FD76B}"/>
+                </a:ext>
+              </a:extLst>
+            </p:cNvPr>
+            <p:cNvPicPr>
+              <a:picLocks noChangeAspect="1"/>
+            </p:cNvPicPr>
+            <p:nvPr/>
+          </p:nvPicPr>
+          <p:blipFill>
+            <a:blip r:embed="rId2">
+              <a:extLst>
+                <a:ext uri="{28A0092B-C50C-407E-A947-70E740481C1C}">
+                  <a14:useLocalDpi xmlns:a14="http://schemas.microsoft.com/office/drawing/2010/main" val="0"/>
+                </a:ext>
+              </a:extLst>
+            </a:blip>
+            <a:stretch>
+              <a:fillRect/>
+            </a:stretch>
+          </p:blipFill>
+          <p:spPr>
+            <a:xfrm>
+              <a:off x="2626027" y="1576129"/>
+              <a:ext cx="5239481" cy="3705742"/>
+            </a:xfrm>
+            <a:prstGeom prst="rect">
+              <a:avLst/>
+            </a:prstGeom>
+          </p:spPr>
+        </p:pic>
+        <p:pic>
+          <p:nvPicPr>
+            <p:cNvPr id="9" name="Picture 8">
+              <a:extLst>
+                <a:ext uri="{FF2B5EF4-FFF2-40B4-BE49-F238E27FC236}">
+                  <a16:creationId xmlns:a16="http://schemas.microsoft.com/office/drawing/2014/main" id="{ABCBE271-948B-4D0F-B9A8-A2D3E09CCF43}"/>
+                </a:ext>
+              </a:extLst>
+            </p:cNvPr>
+            <p:cNvPicPr>
+              <a:picLocks noChangeAspect="1"/>
+            </p:cNvPicPr>
+            <p:nvPr/>
+          </p:nvPicPr>
+          <p:blipFill>
+            <a:blip r:embed="rId3">
+              <a:extLst>
+                <a:ext uri="{28A0092B-C50C-407E-A947-70E740481C1C}">
+                  <a14:useLocalDpi xmlns:a14="http://schemas.microsoft.com/office/drawing/2010/main" val="0"/>
+                </a:ext>
+              </a:extLst>
+            </a:blip>
+            <a:stretch>
+              <a:fillRect/>
+            </a:stretch>
+          </p:blipFill>
+          <p:spPr>
+            <a:xfrm>
+              <a:off x="8500583" y="1821265"/>
+              <a:ext cx="4572752" cy="3215469"/>
+            </a:xfrm>
+            <a:prstGeom prst="rect">
+              <a:avLst/>
+            </a:prstGeom>
+          </p:spPr>
+        </p:pic>
+      </p:grpSp>
+    </p:spTree>
+    <p:extLst>
+      <p:ext uri="{BB962C8B-B14F-4D97-AF65-F5344CB8AC3E}">
+        <p14:creationId xmlns:p14="http://schemas.microsoft.com/office/powerpoint/2010/main" val="3099692138"/>
+      </p:ext>
+    </p:extLst>
+  </p:cSld>
+  <p:clrMapOvr>
+    <a:masterClrMapping/>
+  </p:clrMapOvr>
+</p:sld>
+</file>
+
 <file path=ppt/theme/theme1.xml><?xml version="1.0" encoding="utf-8"?>
 <a:theme xmlns:a="http://schemas.openxmlformats.org/drawingml/2006/main" name="Office Theme">
   <a:themeElements>
